--- a/notebooks/CapstonePP.pptx
+++ b/notebooks/CapstonePP.pptx
@@ -7,6 +7,9 @@
   <p:sldIdLst>
     <p:sldId id="256" r:id="rId2"/>
     <p:sldId id="257" r:id="rId3"/>
+    <p:sldId id="260" r:id="rId4"/>
+    <p:sldId id="258" r:id="rId5"/>
+    <p:sldId id="259" r:id="rId6"/>
   </p:sldIdLst>
   <p:sldSz cx="12192000" cy="6858000"/>
   <p:notesSz cx="6858000" cy="9144000"/>
@@ -105,6 +108,11 @@
       </a:defRPr>
     </a:lvl9pPr>
   </p:defaultTextStyle>
+  <p:extLst>
+    <p:ext uri="{EFAFB233-063F-42B5-8137-9DF3F51BA10A}">
+      <p15:sldGuideLst xmlns:p15="http://schemas.microsoft.com/office/powerpoint/2012/main"/>
+    </p:ext>
+  </p:extLst>
 </p:presentation>
 </file>
 
@@ -332,7 +340,7 @@
           <a:p>
             <a:fld id="{A1E45834-53BD-4C8F-B791-CD5378F4150E}" type="datetimeFigureOut">
               <a:rPr lang="en-US" smtClean="0"/>
-              <a:t>12/13/22</a:t>
+              <a:t>12/15/22</a:t>
             </a:fld>
             <a:endParaRPr lang="en-US"/>
           </a:p>
@@ -502,7 +510,7 @@
           <a:p>
             <a:fld id="{A1E45834-53BD-4C8F-B791-CD5378F4150E}" type="datetimeFigureOut">
               <a:rPr lang="en-US" smtClean="0"/>
-              <a:t>12/13/22</a:t>
+              <a:t>12/15/22</a:t>
             </a:fld>
             <a:endParaRPr lang="en-US"/>
           </a:p>
@@ -682,7 +690,7 @@
           <a:p>
             <a:fld id="{A1E45834-53BD-4C8F-B791-CD5378F4150E}" type="datetimeFigureOut">
               <a:rPr lang="en-US" smtClean="0"/>
-              <a:t>12/13/22</a:t>
+              <a:t>12/15/22</a:t>
             </a:fld>
             <a:endParaRPr lang="en-US"/>
           </a:p>
@@ -852,7 +860,7 @@
           <a:p>
             <a:fld id="{A1E45834-53BD-4C8F-B791-CD5378F4150E}" type="datetimeFigureOut">
               <a:rPr lang="en-US" smtClean="0"/>
-              <a:t>12/13/22</a:t>
+              <a:t>12/15/22</a:t>
             </a:fld>
             <a:endParaRPr lang="en-US"/>
           </a:p>
@@ -1110,7 +1118,7 @@
           <a:p>
             <a:fld id="{A1E45834-53BD-4C8F-B791-CD5378F4150E}" type="datetimeFigureOut">
               <a:rPr lang="en-US" smtClean="0"/>
-              <a:t>12/13/22</a:t>
+              <a:t>12/15/22</a:t>
             </a:fld>
             <a:endParaRPr lang="en-US"/>
           </a:p>
@@ -1398,7 +1406,7 @@
           <a:p>
             <a:fld id="{A1E45834-53BD-4C8F-B791-CD5378F4150E}" type="datetimeFigureOut">
               <a:rPr lang="en-US" smtClean="0"/>
-              <a:t>12/13/22</a:t>
+              <a:t>12/15/22</a:t>
             </a:fld>
             <a:endParaRPr lang="en-US"/>
           </a:p>
@@ -1840,7 +1848,7 @@
           <a:p>
             <a:fld id="{A1E45834-53BD-4C8F-B791-CD5378F4150E}" type="datetimeFigureOut">
               <a:rPr lang="en-US" smtClean="0"/>
-              <a:t>12/13/22</a:t>
+              <a:t>12/15/22</a:t>
             </a:fld>
             <a:endParaRPr lang="en-US"/>
           </a:p>
@@ -1958,7 +1966,7 @@
           <a:p>
             <a:fld id="{A1E45834-53BD-4C8F-B791-CD5378F4150E}" type="datetimeFigureOut">
               <a:rPr lang="en-US" smtClean="0"/>
-              <a:t>12/13/22</a:t>
+              <a:t>12/15/22</a:t>
             </a:fld>
             <a:endParaRPr lang="en-US"/>
           </a:p>
@@ -2053,7 +2061,7 @@
           <a:p>
             <a:fld id="{A1E45834-53BD-4C8F-B791-CD5378F4150E}" type="datetimeFigureOut">
               <a:rPr lang="en-US" smtClean="0"/>
-              <a:t>12/13/22</a:t>
+              <a:t>12/15/22</a:t>
             </a:fld>
             <a:endParaRPr lang="en-US"/>
           </a:p>
@@ -2341,7 +2349,7 @@
           <a:p>
             <a:fld id="{A1E45834-53BD-4C8F-B791-CD5378F4150E}" type="datetimeFigureOut">
               <a:rPr lang="en-US" smtClean="0"/>
-              <a:t>12/13/22</a:t>
+              <a:t>12/15/22</a:t>
             </a:fld>
             <a:endParaRPr lang="en-US"/>
           </a:p>
@@ -2614,7 +2622,7 @@
           <a:p>
             <a:fld id="{A1E45834-53BD-4C8F-B791-CD5378F4150E}" type="datetimeFigureOut">
               <a:rPr lang="en-US" smtClean="0"/>
-              <a:t>12/13/22</a:t>
+              <a:t>12/15/22</a:t>
             </a:fld>
             <a:endParaRPr lang="en-US"/>
           </a:p>
@@ -2911,7 +2919,7 @@
           <a:p>
             <a:fld id="{A1E45834-53BD-4C8F-B791-CD5378F4150E}" type="datetimeFigureOut">
               <a:rPr lang="en-US" smtClean="0"/>
-              <a:t>12/13/22</a:t>
+              <a:t>12/15/22</a:t>
             </a:fld>
             <a:endParaRPr lang="en-US"/>
           </a:p>
@@ -3431,7 +3439,7 @@
           <a:p>
             <a:r>
               <a:rPr lang="en-US" sz="4000" dirty="0"/>
-              <a:t>Education and Lacrosse</a:t>
+              <a:t>Does higher quality of education lead to better lacrosse high school lacrosse teams?</a:t>
             </a:r>
           </a:p>
         </p:txBody>
@@ -3454,8 +3462,8 @@
         </p:nvSpPr>
         <p:spPr>
           <a:xfrm>
-            <a:off x="1090940" y="4525682"/>
-            <a:ext cx="3638358" cy="1318124"/>
+            <a:off x="1044516" y="4329239"/>
+            <a:ext cx="3638358" cy="913522"/>
           </a:xfrm>
         </p:spPr>
         <p:txBody>
@@ -3464,7 +3472,10 @@
           </a:bodyPr>
           <a:lstStyle/>
           <a:p>
-            <a:endParaRPr lang="en-US" dirty="0"/>
+            <a:r>
+              <a:rPr lang="en-US" sz="1600" dirty="0"/>
+              <a:t>An exploration into the correlations between education and lacrosse at the high school level</a:t>
+            </a:r>
           </a:p>
         </p:txBody>
       </p:sp>
@@ -3489,7 +3500,7 @@
         </p:blipFill>
         <p:spPr>
           <a:xfrm>
-            <a:off x="5524500" y="1"/>
+            <a:off x="5524499" y="234670"/>
             <a:ext cx="6667501" cy="6857999"/>
           </a:xfrm>
           <a:prstGeom prst="rect">
@@ -3497,6 +3508,53 @@
           </a:prstGeom>
         </p:spPr>
       </p:pic>
+      <p:sp>
+        <p:nvSpPr>
+          <p:cNvPr id="5" name="TextBox 4">
+            <a:extLst>
+              <a:ext uri="{FF2B5EF4-FFF2-40B4-BE49-F238E27FC236}">
+                <a16:creationId xmlns:a16="http://schemas.microsoft.com/office/drawing/2014/main" id="{B954FEAC-EBEA-73A9-B4FB-C768A827256A}"/>
+              </a:ext>
+            </a:extLst>
+          </p:cNvPr>
+          <p:cNvSpPr txBox="1"/>
+          <p:nvPr/>
+        </p:nvSpPr>
+        <p:spPr>
+          <a:xfrm>
+            <a:off x="775950" y="6119336"/>
+            <a:ext cx="4175490" cy="738664"/>
+          </a:xfrm>
+          <a:prstGeom prst="rect">
+            <a:avLst/>
+          </a:prstGeom>
+          <a:noFill/>
+        </p:spPr>
+        <p:txBody>
+          <a:bodyPr wrap="square" rtlCol="0">
+            <a:spAutoFit/>
+          </a:bodyPr>
+          <a:lstStyle/>
+          <a:p>
+            <a:r>
+              <a:rPr lang="en-US" sz="1400" b="1" dirty="0"/>
+              <a:t>Timothy Yost</a:t>
+            </a:r>
+          </a:p>
+          <a:p>
+            <a:r>
+              <a:rPr lang="en-US" sz="1400" i="1" dirty="0"/>
+              <a:t>Data Analytics 7: Nashville Software School</a:t>
+            </a:r>
+          </a:p>
+          <a:p>
+            <a:r>
+              <a:rPr lang="en-US" sz="1400" i="1" dirty="0"/>
+              <a:t>Date</a:t>
+            </a:r>
+          </a:p>
+        </p:txBody>
+      </p:sp>
     </p:spTree>
     <p:extLst>
       <p:ext uri="{BB962C8B-B14F-4D97-AF65-F5344CB8AC3E}">
@@ -3553,17 +3611,25 @@
         </p:nvSpPr>
         <p:spPr>
           <a:xfrm>
-            <a:off x="1088136" y="1090245"/>
-            <a:ext cx="9922764" cy="1321651"/>
+            <a:off x="3741808" y="952680"/>
+            <a:ext cx="4708384" cy="1321651"/>
           </a:xfrm>
         </p:spPr>
         <p:txBody>
           <a:bodyPr>
-            <a:normAutofit/>
+            <a:noAutofit/>
           </a:bodyPr>
           <a:lstStyle/>
           <a:p>
-            <a:endParaRPr lang="en-US" sz="4000"/>
+            <a:pPr algn="ctr"/>
+            <a:r>
+              <a:rPr lang="en-US" sz="5400" dirty="0">
+                <a:solidFill>
+                  <a:schemeClr val="tx1"/>
+                </a:solidFill>
+              </a:rPr>
+              <a:t>Why This Topic?</a:t>
+            </a:r>
           </a:p>
         </p:txBody>
       </p:sp>
@@ -3585,8 +3651,8 @@
         </p:nvSpPr>
         <p:spPr>
           <a:xfrm>
-            <a:off x="5524500" y="2948283"/>
-            <a:ext cx="5486400" cy="3323192"/>
+            <a:off x="3574318" y="2516623"/>
+            <a:ext cx="6079479" cy="2571482"/>
           </a:xfrm>
         </p:spPr>
         <p:txBody>
@@ -3595,7 +3661,10 @@
           </a:bodyPr>
           <a:lstStyle/>
           <a:p>
-            <a:endParaRPr lang="en-US"/>
+            <a:pPr marL="0" indent="0">
+              <a:buNone/>
+            </a:pPr>
+            <a:endParaRPr lang="en-US" dirty="0"/>
           </a:p>
         </p:txBody>
       </p:sp>
@@ -3603,6 +3672,350 @@
     <p:extLst>
       <p:ext uri="{BB962C8B-B14F-4D97-AF65-F5344CB8AC3E}">
         <p14:creationId xmlns:p14="http://schemas.microsoft.com/office/powerpoint/2010/main" val="2542014158"/>
+      </p:ext>
+    </p:extLst>
+  </p:cSld>
+  <p:clrMapOvr>
+    <a:masterClrMapping/>
+  </p:clrMapOvr>
+</p:sld>
+</file>
+
+<file path=ppt/slides/slide3.xml><?xml version="1.0" encoding="utf-8"?>
+<p:sld xmlns:a="http://schemas.openxmlformats.org/drawingml/2006/main" xmlns:r="http://schemas.openxmlformats.org/officeDocument/2006/relationships" xmlns:p="http://schemas.openxmlformats.org/presentationml/2006/main">
+  <p:cSld>
+    <p:spTree>
+      <p:nvGrpSpPr>
+        <p:cNvPr id="1" name=""/>
+        <p:cNvGrpSpPr/>
+        <p:nvPr/>
+      </p:nvGrpSpPr>
+      <p:grpSpPr>
+        <a:xfrm>
+          <a:off x="0" y="0"/>
+          <a:ext cx="0" cy="0"/>
+          <a:chOff x="0" y="0"/>
+          <a:chExt cx="0" cy="0"/>
+        </a:xfrm>
+      </p:grpSpPr>
+      <p:sp>
+        <p:nvSpPr>
+          <p:cNvPr id="2" name="Title 1">
+            <a:extLst>
+              <a:ext uri="{FF2B5EF4-FFF2-40B4-BE49-F238E27FC236}">
+                <a16:creationId xmlns:a16="http://schemas.microsoft.com/office/drawing/2014/main" id="{7E04720E-0718-C9F1-5FAD-09C9C033E342}"/>
+              </a:ext>
+            </a:extLst>
+          </p:cNvPr>
+          <p:cNvSpPr>
+            <a:spLocks noGrp="1"/>
+          </p:cNvSpPr>
+          <p:nvPr>
+            <p:ph type="title"/>
+          </p:nvPr>
+        </p:nvSpPr>
+        <p:spPr/>
+        <p:txBody>
+          <a:bodyPr/>
+          <a:lstStyle/>
+          <a:p>
+            <a:r>
+              <a:rPr lang="en-US" dirty="0"/>
+              <a:t>What is Lacrosse?</a:t>
+            </a:r>
+          </a:p>
+        </p:txBody>
+      </p:sp>
+      <p:sp>
+        <p:nvSpPr>
+          <p:cNvPr id="4" name="TextBox 3">
+            <a:extLst>
+              <a:ext uri="{FF2B5EF4-FFF2-40B4-BE49-F238E27FC236}">
+                <a16:creationId xmlns:a16="http://schemas.microsoft.com/office/drawing/2014/main" id="{47173E4C-6925-C235-95CE-78461F244212}"/>
+              </a:ext>
+            </a:extLst>
+          </p:cNvPr>
+          <p:cNvSpPr txBox="1"/>
+          <p:nvPr/>
+        </p:nvSpPr>
+        <p:spPr>
+          <a:xfrm>
+            <a:off x="3478086" y="754505"/>
+            <a:ext cx="6636413" cy="923330"/>
+          </a:xfrm>
+          <a:prstGeom prst="rect">
+            <a:avLst/>
+          </a:prstGeom>
+          <a:noFill/>
+        </p:spPr>
+        <p:txBody>
+          <a:bodyPr wrap="square" rtlCol="0">
+            <a:spAutoFit/>
+          </a:bodyPr>
+          <a:lstStyle/>
+          <a:p>
+            <a:pPr marL="342900" indent="-342900">
+              <a:buAutoNum type="arabicPeriod"/>
+            </a:pPr>
+            <a:r>
+              <a:rPr lang="en-US" dirty="0"/>
+              <a:t>Lacrosse is an outdoor team sport played with a lacrosse stick and lacrosse ball.</a:t>
+            </a:r>
+          </a:p>
+          <a:p>
+            <a:pPr marL="342900" indent="-342900">
+              <a:buAutoNum type="arabicPeriod"/>
+            </a:pPr>
+            <a:r>
+              <a:rPr lang="en-US" dirty="0"/>
+              <a:t>Lacrosse is the oldest sport in North America</a:t>
+            </a:r>
+          </a:p>
+        </p:txBody>
+      </p:sp>
+    </p:spTree>
+    <p:extLst>
+      <p:ext uri="{BB962C8B-B14F-4D97-AF65-F5344CB8AC3E}">
+        <p14:creationId xmlns:p14="http://schemas.microsoft.com/office/powerpoint/2010/main" val="3100812778"/>
+      </p:ext>
+    </p:extLst>
+  </p:cSld>
+  <p:clrMapOvr>
+    <a:masterClrMapping/>
+  </p:clrMapOvr>
+</p:sld>
+</file>
+
+<file path=ppt/slides/slide4.xml><?xml version="1.0" encoding="utf-8"?>
+<p:sld xmlns:a="http://schemas.openxmlformats.org/drawingml/2006/main" xmlns:r="http://schemas.openxmlformats.org/officeDocument/2006/relationships" xmlns:p="http://schemas.openxmlformats.org/presentationml/2006/main">
+  <p:cSld>
+    <p:spTree>
+      <p:nvGrpSpPr>
+        <p:cNvPr id="1" name=""/>
+        <p:cNvGrpSpPr/>
+        <p:nvPr/>
+      </p:nvGrpSpPr>
+      <p:grpSpPr>
+        <a:xfrm>
+          <a:off x="0" y="0"/>
+          <a:ext cx="0" cy="0"/>
+          <a:chOff x="0" y="0"/>
+          <a:chExt cx="0" cy="0"/>
+        </a:xfrm>
+      </p:grpSpPr>
+      <p:sp>
+        <p:nvSpPr>
+          <p:cNvPr id="2" name="Title 1">
+            <a:extLst>
+              <a:ext uri="{FF2B5EF4-FFF2-40B4-BE49-F238E27FC236}">
+                <a16:creationId xmlns:a16="http://schemas.microsoft.com/office/drawing/2014/main" id="{58F2B184-B7DE-3690-52D9-E97D6A01FD9E}"/>
+              </a:ext>
+            </a:extLst>
+          </p:cNvPr>
+          <p:cNvSpPr>
+            <a:spLocks noGrp="1"/>
+          </p:cNvSpPr>
+          <p:nvPr>
+            <p:ph type="title"/>
+          </p:nvPr>
+        </p:nvSpPr>
+        <p:spPr/>
+        <p:txBody>
+          <a:bodyPr/>
+          <a:lstStyle/>
+          <a:p>
+            <a:r>
+              <a:rPr lang="en-US" dirty="0"/>
+              <a:t>Top 10 states with the most boys high school lacrosse </a:t>
+            </a:r>
+            <a:r>
+              <a:rPr lang="en-US"/>
+              <a:t>teams in 2020.</a:t>
+            </a:r>
+            <a:endParaRPr lang="en-US" dirty="0"/>
+          </a:p>
+        </p:txBody>
+      </p:sp>
+      <p:pic>
+        <p:nvPicPr>
+          <p:cNvPr id="5" name="Content Placeholder 4">
+            <a:extLst>
+              <a:ext uri="{FF2B5EF4-FFF2-40B4-BE49-F238E27FC236}">
+                <a16:creationId xmlns:a16="http://schemas.microsoft.com/office/drawing/2014/main" id="{30933A07-45F2-65F4-0C53-A6C487CA1BE5}"/>
+              </a:ext>
+            </a:extLst>
+          </p:cNvPr>
+          <p:cNvPicPr>
+            <a:picLocks noGrp="1" noChangeAspect="1"/>
+          </p:cNvPicPr>
+          <p:nvPr>
+            <p:ph idx="1"/>
+          </p:nvPr>
+        </p:nvPicPr>
+        <p:blipFill>
+          <a:blip r:embed="rId2"/>
+          <a:stretch>
+            <a:fillRect/>
+          </a:stretch>
+        </p:blipFill>
+        <p:spPr>
+          <a:xfrm>
+            <a:off x="3901463" y="863600"/>
+            <a:ext cx="7249749" cy="5121275"/>
+          </a:xfrm>
+        </p:spPr>
+      </p:pic>
+    </p:spTree>
+    <p:extLst>
+      <p:ext uri="{BB962C8B-B14F-4D97-AF65-F5344CB8AC3E}">
+        <p14:creationId xmlns:p14="http://schemas.microsoft.com/office/powerpoint/2010/main" val="2589935972"/>
+      </p:ext>
+    </p:extLst>
+  </p:cSld>
+  <p:clrMapOvr>
+    <a:masterClrMapping/>
+  </p:clrMapOvr>
+</p:sld>
+</file>
+
+<file path=ppt/slides/slide5.xml><?xml version="1.0" encoding="utf-8"?>
+<p:sld xmlns:a="http://schemas.openxmlformats.org/drawingml/2006/main" xmlns:r="http://schemas.openxmlformats.org/officeDocument/2006/relationships" xmlns:p="http://schemas.openxmlformats.org/presentationml/2006/main">
+  <p:cSld>
+    <p:spTree>
+      <p:nvGrpSpPr>
+        <p:cNvPr id="1" name=""/>
+        <p:cNvGrpSpPr/>
+        <p:nvPr/>
+      </p:nvGrpSpPr>
+      <p:grpSpPr>
+        <a:xfrm>
+          <a:off x="0" y="0"/>
+          <a:ext cx="0" cy="0"/>
+          <a:chOff x="0" y="0"/>
+          <a:chExt cx="0" cy="0"/>
+        </a:xfrm>
+      </p:grpSpPr>
+      <p:sp>
+        <p:nvSpPr>
+          <p:cNvPr id="2" name="Title 1">
+            <a:extLst>
+              <a:ext uri="{FF2B5EF4-FFF2-40B4-BE49-F238E27FC236}">
+                <a16:creationId xmlns:a16="http://schemas.microsoft.com/office/drawing/2014/main" id="{1B537EC6-C77A-AA5D-CB8E-41190821173F}"/>
+              </a:ext>
+            </a:extLst>
+          </p:cNvPr>
+          <p:cNvSpPr>
+            <a:spLocks noGrp="1"/>
+          </p:cNvSpPr>
+          <p:nvPr>
+            <p:ph type="title"/>
+          </p:nvPr>
+        </p:nvSpPr>
+        <p:spPr/>
+        <p:txBody>
+          <a:bodyPr/>
+          <a:lstStyle/>
+          <a:p>
+            <a:r>
+              <a:rPr lang="en-US" dirty="0"/>
+              <a:t>U.S. States by School Quality and Safety</a:t>
+            </a:r>
+          </a:p>
+        </p:txBody>
+      </p:sp>
+      <p:pic>
+        <p:nvPicPr>
+          <p:cNvPr id="5" name="Content Placeholder 4" descr="Map&#10;&#10;Description automatically generated">
+            <a:extLst>
+              <a:ext uri="{FF2B5EF4-FFF2-40B4-BE49-F238E27FC236}">
+                <a16:creationId xmlns:a16="http://schemas.microsoft.com/office/drawing/2014/main" id="{05341EA8-4983-86E6-65CD-9D161C695726}"/>
+              </a:ext>
+            </a:extLst>
+          </p:cNvPr>
+          <p:cNvPicPr>
+            <a:picLocks noGrp="1" noChangeAspect="1"/>
+          </p:cNvPicPr>
+          <p:nvPr>
+            <p:ph idx="1"/>
+          </p:nvPr>
+        </p:nvPicPr>
+        <p:blipFill>
+          <a:blip r:embed="rId2"/>
+          <a:stretch>
+            <a:fillRect/>
+          </a:stretch>
+        </p:blipFill>
+        <p:spPr>
+          <a:xfrm>
+            <a:off x="3464021" y="451878"/>
+            <a:ext cx="8342822" cy="4767327"/>
+          </a:xfrm>
+        </p:spPr>
+      </p:pic>
+      <p:pic>
+        <p:nvPicPr>
+          <p:cNvPr id="7" name="Picture 6" descr="Chart&#10;&#10;Description automatically generated">
+            <a:extLst>
+              <a:ext uri="{FF2B5EF4-FFF2-40B4-BE49-F238E27FC236}">
+                <a16:creationId xmlns:a16="http://schemas.microsoft.com/office/drawing/2014/main" id="{1D195336-2959-DC20-A056-B0B2E063B473}"/>
+              </a:ext>
+            </a:extLst>
+          </p:cNvPr>
+          <p:cNvPicPr>
+            <a:picLocks noChangeAspect="1"/>
+          </p:cNvPicPr>
+          <p:nvPr/>
+        </p:nvPicPr>
+        <p:blipFill>
+          <a:blip r:embed="rId3"/>
+          <a:stretch>
+            <a:fillRect/>
+          </a:stretch>
+        </p:blipFill>
+        <p:spPr>
+          <a:xfrm>
+            <a:off x="3464020" y="4023416"/>
+            <a:ext cx="2948684" cy="2122065"/>
+          </a:xfrm>
+          <a:prstGeom prst="rect">
+            <a:avLst/>
+          </a:prstGeom>
+        </p:spPr>
+      </p:pic>
+      <p:pic>
+        <p:nvPicPr>
+          <p:cNvPr id="9" name="Picture 8" descr="A picture containing chart&#10;&#10;Description automatically generated">
+            <a:extLst>
+              <a:ext uri="{FF2B5EF4-FFF2-40B4-BE49-F238E27FC236}">
+                <a16:creationId xmlns:a16="http://schemas.microsoft.com/office/drawing/2014/main" id="{75EC8865-94D3-3D96-284B-058D18279D40}"/>
+              </a:ext>
+            </a:extLst>
+          </p:cNvPr>
+          <p:cNvPicPr>
+            <a:picLocks noChangeAspect="1"/>
+          </p:cNvPicPr>
+          <p:nvPr/>
+        </p:nvPicPr>
+        <p:blipFill>
+          <a:blip r:embed="rId4"/>
+          <a:stretch>
+            <a:fillRect/>
+          </a:stretch>
+        </p:blipFill>
+        <p:spPr>
+          <a:xfrm>
+            <a:off x="6309756" y="4844682"/>
+            <a:ext cx="2521958" cy="1760675"/>
+          </a:xfrm>
+          <a:prstGeom prst="rect">
+            <a:avLst/>
+          </a:prstGeom>
+        </p:spPr>
+      </p:pic>
+    </p:spTree>
+    <p:extLst>
+      <p:ext uri="{BB962C8B-B14F-4D97-AF65-F5344CB8AC3E}">
+        <p14:creationId xmlns:p14="http://schemas.microsoft.com/office/powerpoint/2010/main" val="503980911"/>
       </p:ext>
     </p:extLst>
   </p:cSld>
